--- a/markdown/files/slides/lecture14_graphs1.pptx
+++ b/markdown/files/slides/lecture14_graphs1.pptx
@@ -41839,7 +41839,7 @@
                         <a:schemeClr val="tx1"/>
                       </a:solidFill>
                     </a:rPr>
-                    <a:t>811</a:t>
+                    <a:t>101</a:t>
                   </a:r>
                 </a:p>
               </p:txBody>
